--- a/Solutions/GhadeerElmkaiel.pptx
+++ b/Solutions/GhadeerElmkaiel.pptx
@@ -111,6 +111,11 @@
       </a:defRPr>
     </a:lvl9pPr>
   </p:defaultTextStyle>
+  <p:extLst>
+    <p:ext uri="{EFAFB233-063F-42B5-8137-9DF3F51BA10A}">
+      <p15:sldGuideLst xmlns:p15="http://schemas.microsoft.com/office/powerpoint/2012/main"/>
+    </p:ext>
+  </p:extLst>
 </p:presentation>
 </file>
 
@@ -300,7 +305,7 @@
           <a:p>
             <a:fld id="{48A87A34-81AB-432B-8DAE-1953F412C126}" type="datetimeFigureOut">
               <a:rPr lang="en-US" smtClean="0"/>
-              <a:t>7/7/2019</a:t>
+              <a:t>2019-07-07</a:t>
             </a:fld>
             <a:endParaRPr lang="en-US" dirty="0"/>
           </a:p>
@@ -576,7 +581,7 @@
             <a:fld id="{48A87A34-81AB-432B-8DAE-1953F412C126}" type="datetimeFigureOut">
               <a:rPr lang="en-US" smtClean="0"/>
               <a:pPr/>
-              <a:t>7/7/2019</a:t>
+              <a:t>2019-07-07</a:t>
             </a:fld>
             <a:endParaRPr lang="en-US" dirty="0"/>
           </a:p>
@@ -772,7 +777,7 @@
             <a:fld id="{48A87A34-81AB-432B-8DAE-1953F412C126}" type="datetimeFigureOut">
               <a:rPr lang="en-US" smtClean="0"/>
               <a:pPr/>
-              <a:t>7/7/2019</a:t>
+              <a:t>2019-07-07</a:t>
             </a:fld>
             <a:endParaRPr lang="en-US" dirty="0"/>
           </a:p>
@@ -1047,7 +1052,7 @@
             <a:fld id="{48A87A34-81AB-432B-8DAE-1953F412C126}" type="datetimeFigureOut">
               <a:rPr lang="en-US" smtClean="0"/>
               <a:pPr/>
-              <a:t>7/7/2019</a:t>
+              <a:t>2019-07-07</a:t>
             </a:fld>
             <a:endParaRPr lang="en-US" dirty="0"/>
           </a:p>
@@ -1390,7 +1395,7 @@
             <a:fld id="{48A87A34-81AB-432B-8DAE-1953F412C126}" type="datetimeFigureOut">
               <a:rPr lang="en-US" smtClean="0"/>
               <a:pPr/>
-              <a:t>7/7/2019</a:t>
+              <a:t>2019-07-07</a:t>
             </a:fld>
             <a:endParaRPr lang="en-US" dirty="0"/>
           </a:p>
@@ -2015,7 +2020,7 @@
             <a:fld id="{48A87A34-81AB-432B-8DAE-1953F412C126}" type="datetimeFigureOut">
               <a:rPr lang="en-US" smtClean="0"/>
               <a:pPr/>
-              <a:t>7/7/2019</a:t>
+              <a:t>2019-07-07</a:t>
             </a:fld>
             <a:endParaRPr lang="en-US" dirty="0"/>
           </a:p>
@@ -2877,7 +2882,7 @@
             <a:fld id="{48A87A34-81AB-432B-8DAE-1953F412C126}" type="datetimeFigureOut">
               <a:rPr lang="en-US" smtClean="0"/>
               <a:pPr/>
-              <a:t>7/7/2019</a:t>
+              <a:t>2019-07-07</a:t>
             </a:fld>
             <a:endParaRPr lang="en-US" dirty="0"/>
           </a:p>
@@ -3048,7 +3053,7 @@
           <a:p>
             <a:fld id="{48A87A34-81AB-432B-8DAE-1953F412C126}" type="datetimeFigureOut">
               <a:rPr lang="en-US" smtClean="0"/>
-              <a:t>7/7/2019</a:t>
+              <a:t>2019-07-07</a:t>
             </a:fld>
             <a:endParaRPr lang="en-US" dirty="0"/>
           </a:p>
@@ -3228,7 +3233,7 @@
           <a:p>
             <a:fld id="{48A87A34-81AB-432B-8DAE-1953F412C126}" type="datetimeFigureOut">
               <a:rPr lang="en-US" smtClean="0"/>
-              <a:t>7/7/2019</a:t>
+              <a:t>2019-07-07</a:t>
             </a:fld>
             <a:endParaRPr lang="en-US" dirty="0"/>
           </a:p>
@@ -3398,7 +3403,7 @@
           <a:p>
             <a:fld id="{48A87A34-81AB-432B-8DAE-1953F412C126}" type="datetimeFigureOut">
               <a:rPr lang="en-US" smtClean="0"/>
-              <a:t>7/7/2019</a:t>
+              <a:t>2019-07-07</a:t>
             </a:fld>
             <a:endParaRPr lang="en-US" dirty="0"/>
           </a:p>
@@ -3645,7 +3650,7 @@
           <a:p>
             <a:fld id="{48A87A34-81AB-432B-8DAE-1953F412C126}" type="datetimeFigureOut">
               <a:rPr lang="en-US" smtClean="0"/>
-              <a:t>7/7/2019</a:t>
+              <a:t>2019-07-07</a:t>
             </a:fld>
             <a:endParaRPr lang="en-US" dirty="0"/>
           </a:p>
@@ -3937,7 +3942,7 @@
           <a:p>
             <a:fld id="{48A87A34-81AB-432B-8DAE-1953F412C126}" type="datetimeFigureOut">
               <a:rPr lang="en-US" smtClean="0"/>
-              <a:t>7/7/2019</a:t>
+              <a:t>2019-07-07</a:t>
             </a:fld>
             <a:endParaRPr lang="en-US" dirty="0"/>
           </a:p>
@@ -4381,7 +4386,7 @@
           <a:p>
             <a:fld id="{48A87A34-81AB-432B-8DAE-1953F412C126}" type="datetimeFigureOut">
               <a:rPr lang="en-US" smtClean="0"/>
-              <a:t>7/7/2019</a:t>
+              <a:t>2019-07-07</a:t>
             </a:fld>
             <a:endParaRPr lang="en-US" dirty="0"/>
           </a:p>
@@ -4499,7 +4504,7 @@
           <a:p>
             <a:fld id="{48A87A34-81AB-432B-8DAE-1953F412C126}" type="datetimeFigureOut">
               <a:rPr lang="en-US" smtClean="0"/>
-              <a:t>7/7/2019</a:t>
+              <a:t>2019-07-07</a:t>
             </a:fld>
             <a:endParaRPr lang="en-US" dirty="0"/>
           </a:p>
@@ -4594,7 +4599,7 @@
           <a:p>
             <a:fld id="{48A87A34-81AB-432B-8DAE-1953F412C126}" type="datetimeFigureOut">
               <a:rPr lang="en-US" smtClean="0"/>
-              <a:t>7/7/2019</a:t>
+              <a:t>2019-07-07</a:t>
             </a:fld>
             <a:endParaRPr lang="en-US" dirty="0"/>
           </a:p>
@@ -4873,7 +4878,7 @@
           <a:p>
             <a:fld id="{48A87A34-81AB-432B-8DAE-1953F412C126}" type="datetimeFigureOut">
               <a:rPr lang="en-US" smtClean="0"/>
-              <a:t>7/7/2019</a:t>
+              <a:t>2019-07-07</a:t>
             </a:fld>
             <a:endParaRPr lang="en-US" dirty="0"/>
           </a:p>
@@ -5149,7 +5154,7 @@
             <a:fld id="{48A87A34-81AB-432B-8DAE-1953F412C126}" type="datetimeFigureOut">
               <a:rPr lang="en-US" smtClean="0"/>
               <a:pPr/>
-              <a:t>7/7/2019</a:t>
+              <a:t>2019-07-07</a:t>
             </a:fld>
             <a:endParaRPr lang="en-US" dirty="0"/>
           </a:p>
@@ -5579,7 +5584,7 @@
             <a:fld id="{48A87A34-81AB-432B-8DAE-1953F412C126}" type="datetimeFigureOut">
               <a:rPr lang="en-US" smtClean="0"/>
               <a:pPr/>
-              <a:t>7/7/2019</a:t>
+              <a:t>2019-07-07</a:t>
             </a:fld>
             <a:endParaRPr lang="en-US" dirty="0"/>
           </a:p>
@@ -6113,7 +6118,7 @@
           <p:cNvPr id="2" name="Title 1">
             <a:extLst>
               <a:ext uri="{FF2B5EF4-FFF2-40B4-BE49-F238E27FC236}">
-                <a16:creationId xmlns:a16="http://schemas.microsoft.com/office/drawing/2014/main" id="{A42426D2-6614-453B-8C1C-9A6EE3D0360C}"/>
+                <a16:creationId xmlns:a16="http://schemas.microsoft.com/office/drawing/2014/main" xmlns="" id="{A42426D2-6614-453B-8C1C-9A6EE3D0360C}"/>
               </a:ext>
             </a:extLst>
           </p:cNvPr>
@@ -6146,7 +6151,7 @@
           <p:cNvPr id="3" name="Subtitle 2">
             <a:extLst>
               <a:ext uri="{FF2B5EF4-FFF2-40B4-BE49-F238E27FC236}">
-                <a16:creationId xmlns:a16="http://schemas.microsoft.com/office/drawing/2014/main" id="{7046ED44-7019-4812-8FFC-3319655401E5}"/>
+                <a16:creationId xmlns:a16="http://schemas.microsoft.com/office/drawing/2014/main" xmlns="" id="{7046ED44-7019-4812-8FFC-3319655401E5}"/>
               </a:ext>
             </a:extLst>
           </p:cNvPr>
@@ -6190,7 +6195,7 @@
           <p:cNvPr id="7" name="Picture 6">
             <a:extLst>
               <a:ext uri="{FF2B5EF4-FFF2-40B4-BE49-F238E27FC236}">
-                <a16:creationId xmlns:a16="http://schemas.microsoft.com/office/drawing/2014/main" id="{A270D697-080D-446C-AAEC-2998F2456B15}"/>
+                <a16:creationId xmlns:a16="http://schemas.microsoft.com/office/drawing/2014/main" xmlns="" id="{A270D697-080D-446C-AAEC-2998F2456B15}"/>
               </a:ext>
             </a:extLst>
           </p:cNvPr>
@@ -6231,6 +6236,13 @@
   <p:clrMapOvr>
     <a:masterClrMapping/>
   </p:clrMapOvr>
+  <p:timing>
+    <p:tnLst>
+      <p:par>
+        <p:cTn id="1" dur="indefinite" restart="never" nodeType="tmRoot"/>
+      </p:par>
+    </p:tnLst>
+  </p:timing>
 </p:sld>
 </file>
 
@@ -6256,7 +6268,7 @@
           <p:cNvPr id="2" name="Title 1">
             <a:extLst>
               <a:ext uri="{FF2B5EF4-FFF2-40B4-BE49-F238E27FC236}">
-                <a16:creationId xmlns:a16="http://schemas.microsoft.com/office/drawing/2014/main" id="{07C1FA81-9212-4985-97CB-74FDB14CB563}"/>
+                <a16:creationId xmlns:a16="http://schemas.microsoft.com/office/drawing/2014/main" xmlns="" id="{07C1FA81-9212-4985-97CB-74FDB14CB563}"/>
               </a:ext>
             </a:extLst>
           </p:cNvPr>
@@ -6284,7 +6296,7 @@
           <p:cNvPr id="3" name="Content Placeholder 2">
             <a:extLst>
               <a:ext uri="{FF2B5EF4-FFF2-40B4-BE49-F238E27FC236}">
-                <a16:creationId xmlns:a16="http://schemas.microsoft.com/office/drawing/2014/main" id="{4F7E1F0D-79D9-4F46-A42E-9B53AADD5874}"/>
+                <a16:creationId xmlns:a16="http://schemas.microsoft.com/office/drawing/2014/main" xmlns="" id="{4F7E1F0D-79D9-4F46-A42E-9B53AADD5874}"/>
               </a:ext>
             </a:extLst>
           </p:cNvPr>
@@ -6314,7 +6326,7 @@
           <p:cNvPr id="5" name="Picture 4">
             <a:extLst>
               <a:ext uri="{FF2B5EF4-FFF2-40B4-BE49-F238E27FC236}">
-                <a16:creationId xmlns:a16="http://schemas.microsoft.com/office/drawing/2014/main" id="{DBAD0396-FA22-41A4-8172-6D329BD53297}"/>
+                <a16:creationId xmlns:a16="http://schemas.microsoft.com/office/drawing/2014/main" xmlns="" id="{DBAD0396-FA22-41A4-8172-6D329BD53297}"/>
               </a:ext>
             </a:extLst>
           </p:cNvPr>
@@ -6349,13 +6361,13 @@
   <p:clrMapOvr>
     <a:masterClrMapping/>
   </p:clrMapOvr>
-  <mc:AlternateContent xmlns:mc="http://schemas.openxmlformats.org/markup-compatibility/2006">
-    <mc:Choice xmlns:p14="http://schemas.microsoft.com/office/powerpoint/2010/main" Requires="p14">
+  <mc:AlternateContent xmlns:mc="http://schemas.openxmlformats.org/markup-compatibility/2006" xmlns:p14="http://schemas.microsoft.com/office/powerpoint/2010/main">
+    <mc:Choice Requires="p14">
       <p:transition spd="med" p14:dur="700">
         <p:fade/>
       </p:transition>
     </mc:Choice>
-    <mc:Fallback>
+    <mc:Fallback xmlns="">
       <p:transition spd="med">
         <p:fade/>
       </p:transition>
@@ -6386,7 +6398,7 @@
           <p:cNvPr id="2" name="Title 1">
             <a:extLst>
               <a:ext uri="{FF2B5EF4-FFF2-40B4-BE49-F238E27FC236}">
-                <a16:creationId xmlns:a16="http://schemas.microsoft.com/office/drawing/2014/main" id="{099910E6-A227-40B8-9917-EF25BCDE2BE3}"/>
+                <a16:creationId xmlns:a16="http://schemas.microsoft.com/office/drawing/2014/main" xmlns="" id="{099910E6-A227-40B8-9917-EF25BCDE2BE3}"/>
               </a:ext>
             </a:extLst>
           </p:cNvPr>
@@ -6419,7 +6431,7 @@
           <p:cNvPr id="5" name="Content Placeholder 4">
             <a:extLst>
               <a:ext uri="{FF2B5EF4-FFF2-40B4-BE49-F238E27FC236}">
-                <a16:creationId xmlns:a16="http://schemas.microsoft.com/office/drawing/2014/main" id="{F2D8D805-576D-4E6D-AC2E-C15394CF3D6B}"/>
+                <a16:creationId xmlns:a16="http://schemas.microsoft.com/office/drawing/2014/main" xmlns="" id="{F2D8D805-576D-4E6D-AC2E-C15394CF3D6B}"/>
               </a:ext>
             </a:extLst>
           </p:cNvPr>
@@ -6460,7 +6472,7 @@
           <p:cNvPr id="7" name="Content Placeholder 2">
             <a:extLst>
               <a:ext uri="{FF2B5EF4-FFF2-40B4-BE49-F238E27FC236}">
-                <a16:creationId xmlns:a16="http://schemas.microsoft.com/office/drawing/2014/main" id="{A2F2F6B1-00BE-494D-A1A2-528EFC010EBB}"/>
+                <a16:creationId xmlns:a16="http://schemas.microsoft.com/office/drawing/2014/main" xmlns="" id="{A2F2F6B1-00BE-494D-A1A2-528EFC010EBB}"/>
               </a:ext>
             </a:extLst>
           </p:cNvPr>
@@ -6736,7 +6748,7 @@
           <p:cNvPr id="9" name="Picture 8">
             <a:extLst>
               <a:ext uri="{FF2B5EF4-FFF2-40B4-BE49-F238E27FC236}">
-                <a16:creationId xmlns:a16="http://schemas.microsoft.com/office/drawing/2014/main" id="{B80FF135-E2D9-4C95-9F09-D3A07DDB87E5}"/>
+                <a16:creationId xmlns:a16="http://schemas.microsoft.com/office/drawing/2014/main" xmlns="" id="{B80FF135-E2D9-4C95-9F09-D3A07DDB87E5}"/>
               </a:ext>
             </a:extLst>
           </p:cNvPr>
@@ -6766,7 +6778,7 @@
           <p:cNvPr id="11" name="Picture 10">
             <a:extLst>
               <a:ext uri="{FF2B5EF4-FFF2-40B4-BE49-F238E27FC236}">
-                <a16:creationId xmlns:a16="http://schemas.microsoft.com/office/drawing/2014/main" id="{5AD11088-2C29-4784-95C2-53A14F30E68C}"/>
+                <a16:creationId xmlns:a16="http://schemas.microsoft.com/office/drawing/2014/main" xmlns="" id="{5AD11088-2C29-4784-95C2-53A14F30E68C}"/>
               </a:ext>
             </a:extLst>
           </p:cNvPr>
@@ -7042,7 +7054,7 @@
           <p:cNvPr id="2" name="Title 1">
             <a:extLst>
               <a:ext uri="{FF2B5EF4-FFF2-40B4-BE49-F238E27FC236}">
-                <a16:creationId xmlns:a16="http://schemas.microsoft.com/office/drawing/2014/main" id="{099910E6-A227-40B8-9917-EF25BCDE2BE3}"/>
+                <a16:creationId xmlns:a16="http://schemas.microsoft.com/office/drawing/2014/main" xmlns="" id="{099910E6-A227-40B8-9917-EF25BCDE2BE3}"/>
               </a:ext>
             </a:extLst>
           </p:cNvPr>
@@ -7075,7 +7087,7 @@
           <p:cNvPr id="7" name="Content Placeholder 2">
             <a:extLst>
               <a:ext uri="{FF2B5EF4-FFF2-40B4-BE49-F238E27FC236}">
-                <a16:creationId xmlns:a16="http://schemas.microsoft.com/office/drawing/2014/main" id="{A2F2F6B1-00BE-494D-A1A2-528EFC010EBB}"/>
+                <a16:creationId xmlns:a16="http://schemas.microsoft.com/office/drawing/2014/main" xmlns="" id="{A2F2F6B1-00BE-494D-A1A2-528EFC010EBB}"/>
               </a:ext>
             </a:extLst>
           </p:cNvPr>
@@ -7337,7 +7349,7 @@
           <p:cNvPr id="9" name="Picture 8">
             <a:extLst>
               <a:ext uri="{FF2B5EF4-FFF2-40B4-BE49-F238E27FC236}">
-                <a16:creationId xmlns:a16="http://schemas.microsoft.com/office/drawing/2014/main" id="{B80FF135-E2D9-4C95-9F09-D3A07DDB87E5}"/>
+                <a16:creationId xmlns:a16="http://schemas.microsoft.com/office/drawing/2014/main" xmlns="" id="{B80FF135-E2D9-4C95-9F09-D3A07DDB87E5}"/>
               </a:ext>
             </a:extLst>
           </p:cNvPr>
@@ -7367,7 +7379,7 @@
           <p:cNvPr id="8" name="Content Placeholder 7">
             <a:extLst>
               <a:ext uri="{FF2B5EF4-FFF2-40B4-BE49-F238E27FC236}">
-                <a16:creationId xmlns:a16="http://schemas.microsoft.com/office/drawing/2014/main" id="{577D95BD-B17C-4DE6-A12A-04552B4F0000}"/>
+                <a16:creationId xmlns:a16="http://schemas.microsoft.com/office/drawing/2014/main" xmlns="" id="{577D95BD-B17C-4DE6-A12A-04552B4F0000}"/>
               </a:ext>
             </a:extLst>
           </p:cNvPr>
@@ -7442,7 +7454,7 @@
           <p:cNvPr id="14" name="Picture 13">
             <a:extLst>
               <a:ext uri="{FF2B5EF4-FFF2-40B4-BE49-F238E27FC236}">
-                <a16:creationId xmlns:a16="http://schemas.microsoft.com/office/drawing/2014/main" id="{9FBDB9BF-B676-4741-BA2F-FBE733C0AF0C}"/>
+                <a16:creationId xmlns:a16="http://schemas.microsoft.com/office/drawing/2014/main" xmlns="" id="{9FBDB9BF-B676-4741-BA2F-FBE733C0AF0C}"/>
               </a:ext>
             </a:extLst>
           </p:cNvPr>
@@ -8012,7 +8024,7 @@
           <p:cNvPr id="2" name="Title 1">
             <a:extLst>
               <a:ext uri="{FF2B5EF4-FFF2-40B4-BE49-F238E27FC236}">
-                <a16:creationId xmlns:a16="http://schemas.microsoft.com/office/drawing/2014/main" id="{099910E6-A227-40B8-9917-EF25BCDE2BE3}"/>
+                <a16:creationId xmlns:a16="http://schemas.microsoft.com/office/drawing/2014/main" xmlns="" id="{099910E6-A227-40B8-9917-EF25BCDE2BE3}"/>
               </a:ext>
             </a:extLst>
           </p:cNvPr>
@@ -8045,7 +8057,7 @@
           <p:cNvPr id="7" name="Content Placeholder 2">
             <a:extLst>
               <a:ext uri="{FF2B5EF4-FFF2-40B4-BE49-F238E27FC236}">
-                <a16:creationId xmlns:a16="http://schemas.microsoft.com/office/drawing/2014/main" id="{A2F2F6B1-00BE-494D-A1A2-528EFC010EBB}"/>
+                <a16:creationId xmlns:a16="http://schemas.microsoft.com/office/drawing/2014/main" xmlns="" id="{A2F2F6B1-00BE-494D-A1A2-528EFC010EBB}"/>
               </a:ext>
             </a:extLst>
           </p:cNvPr>
@@ -8307,7 +8319,7 @@
           <p:cNvPr id="8" name="Content Placeholder 7">
             <a:extLst>
               <a:ext uri="{FF2B5EF4-FFF2-40B4-BE49-F238E27FC236}">
-                <a16:creationId xmlns:a16="http://schemas.microsoft.com/office/drawing/2014/main" id="{577D95BD-B17C-4DE6-A12A-04552B4F0000}"/>
+                <a16:creationId xmlns:a16="http://schemas.microsoft.com/office/drawing/2014/main" xmlns="" id="{577D95BD-B17C-4DE6-A12A-04552B4F0000}"/>
               </a:ext>
             </a:extLst>
           </p:cNvPr>
@@ -8394,7 +8406,7 @@
           <p:cNvPr id="4" name="Picture 3">
             <a:extLst>
               <a:ext uri="{FF2B5EF4-FFF2-40B4-BE49-F238E27FC236}">
-                <a16:creationId xmlns:a16="http://schemas.microsoft.com/office/drawing/2014/main" id="{7B44D614-725C-4914-908B-E481C736B36C}"/>
+                <a16:creationId xmlns:a16="http://schemas.microsoft.com/office/drawing/2014/main" xmlns="" id="{7B44D614-725C-4914-908B-E481C736B36C}"/>
               </a:ext>
             </a:extLst>
           </p:cNvPr>
@@ -8454,7 +8466,7 @@
           <p:cNvPr id="2" name="Title 1">
             <a:extLst>
               <a:ext uri="{FF2B5EF4-FFF2-40B4-BE49-F238E27FC236}">
-                <a16:creationId xmlns:a16="http://schemas.microsoft.com/office/drawing/2014/main" id="{099910E6-A227-40B8-9917-EF25BCDE2BE3}"/>
+                <a16:creationId xmlns:a16="http://schemas.microsoft.com/office/drawing/2014/main" xmlns="" id="{099910E6-A227-40B8-9917-EF25BCDE2BE3}"/>
               </a:ext>
             </a:extLst>
           </p:cNvPr>
@@ -8487,7 +8499,7 @@
           <p:cNvPr id="7" name="Content Placeholder 2">
             <a:extLst>
               <a:ext uri="{FF2B5EF4-FFF2-40B4-BE49-F238E27FC236}">
-                <a16:creationId xmlns:a16="http://schemas.microsoft.com/office/drawing/2014/main" id="{A2F2F6B1-00BE-494D-A1A2-528EFC010EBB}"/>
+                <a16:creationId xmlns:a16="http://schemas.microsoft.com/office/drawing/2014/main" xmlns="" id="{A2F2F6B1-00BE-494D-A1A2-528EFC010EBB}"/>
               </a:ext>
             </a:extLst>
           </p:cNvPr>
@@ -8749,7 +8761,7 @@
           <p:cNvPr id="8" name="Content Placeholder 7">
             <a:extLst>
               <a:ext uri="{FF2B5EF4-FFF2-40B4-BE49-F238E27FC236}">
-                <a16:creationId xmlns:a16="http://schemas.microsoft.com/office/drawing/2014/main" id="{577D95BD-B17C-4DE6-A12A-04552B4F0000}"/>
+                <a16:creationId xmlns:a16="http://schemas.microsoft.com/office/drawing/2014/main" xmlns="" id="{577D95BD-B17C-4DE6-A12A-04552B4F0000}"/>
               </a:ext>
             </a:extLst>
           </p:cNvPr>
@@ -8842,7 +8854,7 @@
           <p:cNvPr id="2" name="Title 1">
             <a:extLst>
               <a:ext uri="{FF2B5EF4-FFF2-40B4-BE49-F238E27FC236}">
-                <a16:creationId xmlns:a16="http://schemas.microsoft.com/office/drawing/2014/main" id="{44031079-531A-4F61-92DD-3D29CA44BCC4}"/>
+                <a16:creationId xmlns:a16="http://schemas.microsoft.com/office/drawing/2014/main" xmlns="" id="{44031079-531A-4F61-92DD-3D29CA44BCC4}"/>
               </a:ext>
             </a:extLst>
           </p:cNvPr>
@@ -8865,14 +8877,14 @@
           </a:p>
         </p:txBody>
       </p:sp>
-      <mc:AlternateContent xmlns:mc="http://schemas.openxmlformats.org/markup-compatibility/2006">
-        <mc:Choice xmlns:a14="http://schemas.microsoft.com/office/drawing/2010/main" Requires="a14">
+      <mc:AlternateContent xmlns:mc="http://schemas.openxmlformats.org/markup-compatibility/2006" xmlns:a14="http://schemas.microsoft.com/office/drawing/2010/main">
+        <mc:Choice Requires="a14">
           <p:sp>
             <p:nvSpPr>
               <p:cNvPr id="3" name="Content Placeholder 2">
                 <a:extLst>
                   <a:ext uri="{FF2B5EF4-FFF2-40B4-BE49-F238E27FC236}">
-                    <a16:creationId xmlns:a16="http://schemas.microsoft.com/office/drawing/2014/main" id="{BA091E34-5DE8-450C-9845-8FEA3CC708DC}"/>
+                    <a16:creationId xmlns:a16="http://schemas.microsoft.com/office/drawing/2014/main" xmlns="" id="{BA091E34-5DE8-450C-9845-8FEA3CC708DC}"/>
                   </a:ext>
                 </a:extLst>
               </p:cNvPr>
@@ -9080,14 +9092,7 @@
                             <a:latin typeface="Cambria Math" panose="02040503050406030204" pitchFamily="18" charset="0"/>
                             <a:ea typeface="Cambria Math" panose="02040503050406030204" pitchFamily="18" charset="0"/>
                           </a:rPr>
-                          <m:t>h</m:t>
-                        </m:r>
-                        <m:r>
-                          <a:rPr lang="en-US" sz="3600" b="0" i="1" dirty="0" smtClean="0">
-                            <a:latin typeface="Cambria Math" panose="02040503050406030204" pitchFamily="18" charset="0"/>
-                            <a:ea typeface="Cambria Math" panose="02040503050406030204" pitchFamily="18" charset="0"/>
-                          </a:rPr>
-                          <m:t>𝑦</m:t>
+                          <m:t>h𝑦</m:t>
                         </m:r>
                       </m:sub>
                     </m:sSub>
@@ -9122,14 +9127,7 @@
                             <a:latin typeface="Cambria Math" panose="02040503050406030204" pitchFamily="18" charset="0"/>
                             <a:ea typeface="Cambria Math" panose="02040503050406030204" pitchFamily="18" charset="0"/>
                           </a:rPr>
-                          <m:t>h</m:t>
-                        </m:r>
-                        <m:r>
-                          <a:rPr lang="en-US" sz="3600" b="0" i="1" dirty="0" smtClean="0">
-                            <a:latin typeface="Cambria Math" panose="02040503050406030204" pitchFamily="18" charset="0"/>
-                            <a:ea typeface="Cambria Math" panose="02040503050406030204" pitchFamily="18" charset="0"/>
-                          </a:rPr>
-                          <m:t>𝑦</m:t>
+                          <m:t>h𝑦</m:t>
                         </m:r>
                       </m:sub>
                     </m:sSub>
@@ -9151,13 +9149,7 @@
                       <a:rPr lang="en-US" sz="3200" i="1">
                         <a:latin typeface="Cambria Math" panose="02040503050406030204" pitchFamily="18" charset="0"/>
                       </a:rPr>
-                      <m:t>85</m:t>
-                    </m:r>
-                    <m:r>
-                      <a:rPr lang="en-US" sz="3200" i="1">
-                        <a:latin typeface="Cambria Math" panose="02040503050406030204" pitchFamily="18" charset="0"/>
-                      </a:rPr>
-                      <m:t>% </m:t>
+                      <m:t>85% </m:t>
                     </m:r>
                     <m:r>
                       <a:rPr lang="en-US" sz="3200" i="1">
@@ -9207,7 +9199,7 @@
                       <a:rPr lang="en-US" sz="3200" b="0" i="1" smtClean="0">
                         <a:latin typeface="Cambria Math" panose="02040503050406030204" pitchFamily="18" charset="0"/>
                       </a:rPr>
-                      <m:t>𝑝𝑟𝑖𝑣𝑒𝑡</m:t>
+                      <m:t>𝑝𝑟𝑖𝑣𝑎𝑡𝑒</m:t>
                     </m:r>
                     <m:r>
                       <a:rPr lang="en-US" sz="3200" i="1">
@@ -9232,7 +9224,7 @@
             </p:txBody>
           </p:sp>
         </mc:Choice>
-        <mc:Fallback>
+        <mc:Fallback xmlns="">
           <p:sp>
             <p:nvSpPr>
               <p:cNvPr id="3" name="Content Placeholder 2">
@@ -9311,7 +9303,7 @@
           <p:cNvPr id="2" name="Title 1">
             <a:extLst>
               <a:ext uri="{FF2B5EF4-FFF2-40B4-BE49-F238E27FC236}">
-                <a16:creationId xmlns:a16="http://schemas.microsoft.com/office/drawing/2014/main" id="{6FC6FA8B-BCE9-4D0C-A3F8-62D8C49C3F00}"/>
+                <a16:creationId xmlns:a16="http://schemas.microsoft.com/office/drawing/2014/main" xmlns="" id="{6FC6FA8B-BCE9-4D0C-A3F8-62D8C49C3F00}"/>
               </a:ext>
             </a:extLst>
           </p:cNvPr>
